--- a/20140002_Project_Poster.pptx
+++ b/20140002_Project_Poster.pptx
@@ -107,6 +107,11 @@
       </a:defRPr>
     </a:lvl9pPr>
   </p:defaultTextStyle>
+  <p:extLst>
+    <p:ext uri="{EFAFB233-063F-42B5-8137-9DF3F51BA10A}">
+      <p15:sldGuideLst xmlns:p15="http://schemas.microsoft.com/office/powerpoint/2012/main"/>
+    </p:ext>
+  </p:extLst>
 </p:presentation>
 </file>
 
@@ -192,7 +197,7 @@
           <a:p>
             <a:fld id="{6BE90F0F-253F-8D4E-B052-FFFD8C6AEAA9}" type="datetimeFigureOut">
               <a:rPr lang="en-NG" smtClean="0"/>
-              <a:t>27/12/2022</a:t>
+              <a:t>28/12/2022</a:t>
             </a:fld>
             <a:endParaRPr lang="en-NG"/>
           </a:p>
@@ -768,7 +773,7 @@
           <a:p>
             <a:fld id="{7F2BCB7B-0628-C145-8333-3FF7F359D053}" type="datetimeFigureOut">
               <a:rPr lang="en-NG" smtClean="0"/>
-              <a:t>27/12/2022</a:t>
+              <a:t>28/12/2022</a:t>
             </a:fld>
             <a:endParaRPr lang="en-NG"/>
           </a:p>
@@ -1072,7 +1077,7 @@
           <a:p>
             <a:fld id="{7F2BCB7B-0628-C145-8333-3FF7F359D053}" type="datetimeFigureOut">
               <a:rPr lang="en-NG" smtClean="0"/>
-              <a:t>27/12/2022</a:t>
+              <a:t>28/12/2022</a:t>
             </a:fld>
             <a:endParaRPr lang="en-NG"/>
           </a:p>
@@ -1350,7 +1355,7 @@
           <a:p>
             <a:fld id="{7F2BCB7B-0628-C145-8333-3FF7F359D053}" type="datetimeFigureOut">
               <a:rPr lang="en-NG" smtClean="0"/>
-              <a:t>27/12/2022</a:t>
+              <a:t>28/12/2022</a:t>
             </a:fld>
             <a:endParaRPr lang="en-NG"/>
           </a:p>
@@ -1920,7 +1925,7 @@
           <a:p>
             <a:fld id="{7F2BCB7B-0628-C145-8333-3FF7F359D053}" type="datetimeFigureOut">
               <a:rPr lang="en-NG" smtClean="0"/>
-              <a:t>27/12/2022</a:t>
+              <a:t>28/12/2022</a:t>
             </a:fld>
             <a:endParaRPr lang="en-NG"/>
           </a:p>
@@ -2198,7 +2203,7 @@
           <a:p>
             <a:fld id="{7F2BCB7B-0628-C145-8333-3FF7F359D053}" type="datetimeFigureOut">
               <a:rPr lang="en-NG" smtClean="0"/>
-              <a:t>27/12/2022</a:t>
+              <a:t>28/12/2022</a:t>
             </a:fld>
             <a:endParaRPr lang="en-NG"/>
           </a:p>
@@ -2760,7 +2765,7 @@
           <a:p>
             <a:fld id="{7F2BCB7B-0628-C145-8333-3FF7F359D053}" type="datetimeFigureOut">
               <a:rPr lang="en-NG" smtClean="0"/>
-              <a:t>27/12/2022</a:t>
+              <a:t>28/12/2022</a:t>
             </a:fld>
             <a:endParaRPr lang="en-NG"/>
           </a:p>
@@ -3087,7 +3092,7 @@
           <a:p>
             <a:fld id="{7F2BCB7B-0628-C145-8333-3FF7F359D053}" type="datetimeFigureOut">
               <a:rPr lang="en-NG" smtClean="0"/>
-              <a:t>27/12/2022</a:t>
+              <a:t>28/12/2022</a:t>
             </a:fld>
             <a:endParaRPr lang="en-NG"/>
           </a:p>
@@ -3298,7 +3303,7 @@
           <a:p>
             <a:fld id="{7F2BCB7B-0628-C145-8333-3FF7F359D053}" type="datetimeFigureOut">
               <a:rPr lang="en-NG" smtClean="0"/>
-              <a:t>27/12/2022</a:t>
+              <a:t>28/12/2022</a:t>
             </a:fld>
             <a:endParaRPr lang="en-NG"/>
           </a:p>
@@ -3514,7 +3519,7 @@
           <a:p>
             <a:fld id="{7F2BCB7B-0628-C145-8333-3FF7F359D053}" type="datetimeFigureOut">
               <a:rPr lang="en-NG" smtClean="0"/>
-              <a:t>27/12/2022</a:t>
+              <a:t>28/12/2022</a:t>
             </a:fld>
             <a:endParaRPr lang="en-NG"/>
           </a:p>
@@ -3720,7 +3725,7 @@
           <a:p>
             <a:fld id="{7F2BCB7B-0628-C145-8333-3FF7F359D053}" type="datetimeFigureOut">
               <a:rPr lang="en-NG" smtClean="0"/>
-              <a:t>27/12/2022</a:t>
+              <a:t>28/12/2022</a:t>
             </a:fld>
             <a:endParaRPr lang="en-NG"/>
           </a:p>
@@ -3998,7 +4003,7 @@
           <a:p>
             <a:fld id="{7F2BCB7B-0628-C145-8333-3FF7F359D053}" type="datetimeFigureOut">
               <a:rPr lang="en-NG" smtClean="0"/>
-              <a:t>27/12/2022</a:t>
+              <a:t>28/12/2022</a:t>
             </a:fld>
             <a:endParaRPr lang="en-NG"/>
           </a:p>
@@ -4264,7 +4269,7 @@
           <a:p>
             <a:fld id="{7F2BCB7B-0628-C145-8333-3FF7F359D053}" type="datetimeFigureOut">
               <a:rPr lang="en-NG" smtClean="0"/>
-              <a:t>27/12/2022</a:t>
+              <a:t>28/12/2022</a:t>
             </a:fld>
             <a:endParaRPr lang="en-NG"/>
           </a:p>
@@ -4670,7 +4675,7 @@
           <a:p>
             <a:fld id="{7F2BCB7B-0628-C145-8333-3FF7F359D053}" type="datetimeFigureOut">
               <a:rPr lang="en-NG" smtClean="0"/>
-              <a:t>27/12/2022</a:t>
+              <a:t>28/12/2022</a:t>
             </a:fld>
             <a:endParaRPr lang="en-NG"/>
           </a:p>
@@ -4829,7 +4834,7 @@
           <a:p>
             <a:fld id="{7F2BCB7B-0628-C145-8333-3FF7F359D053}" type="datetimeFigureOut">
               <a:rPr lang="en-NG" smtClean="0"/>
-              <a:t>27/12/2022</a:t>
+              <a:t>28/12/2022</a:t>
             </a:fld>
             <a:endParaRPr lang="en-NG"/>
           </a:p>
@@ -4954,7 +4959,7 @@
           <a:p>
             <a:fld id="{7F2BCB7B-0628-C145-8333-3FF7F359D053}" type="datetimeFigureOut">
               <a:rPr lang="en-NG" smtClean="0"/>
-              <a:t>27/12/2022</a:t>
+              <a:t>28/12/2022</a:t>
             </a:fld>
             <a:endParaRPr lang="en-NG"/>
           </a:p>
@@ -5239,7 +5244,7 @@
           <a:p>
             <a:fld id="{7F2BCB7B-0628-C145-8333-3FF7F359D053}" type="datetimeFigureOut">
               <a:rPr lang="en-NG" smtClean="0"/>
-              <a:t>27/12/2022</a:t>
+              <a:t>28/12/2022</a:t>
             </a:fld>
             <a:endParaRPr lang="en-NG"/>
           </a:p>
@@ -5533,7 +5538,7 @@
           <a:p>
             <a:fld id="{7F2BCB7B-0628-C145-8333-3FF7F359D053}" type="datetimeFigureOut">
               <a:rPr lang="en-NG" smtClean="0"/>
-              <a:t>27/12/2022</a:t>
+              <a:t>28/12/2022</a:t>
             </a:fld>
             <a:endParaRPr lang="en-NG"/>
           </a:p>
@@ -5747,7 +5752,7 @@
           <a:p>
             <a:fld id="{7F2BCB7B-0628-C145-8333-3FF7F359D053}" type="datetimeFigureOut">
               <a:rPr lang="en-NG" smtClean="0"/>
-              <a:t>27/12/2022</a:t>
+              <a:t>28/12/2022</a:t>
             </a:fld>
             <a:endParaRPr lang="en-NG"/>
           </a:p>
@@ -6467,7 +6472,7 @@
         </p:nvSpPr>
         <p:spPr>
           <a:xfrm>
-            <a:off x="900000" y="3717561"/>
+            <a:off x="181631" y="3740946"/>
             <a:ext cx="4109322" cy="2683239"/>
           </a:xfrm>
           <a:prstGeom prst="roundRect">
@@ -6525,7 +6530,7 @@
         </p:nvSpPr>
         <p:spPr>
           <a:xfrm>
-            <a:off x="2453012" y="3417757"/>
+            <a:off x="2041084" y="3422850"/>
             <a:ext cx="2113613" cy="599607"/>
           </a:xfrm>
           <a:prstGeom prst="rect">
@@ -6578,7 +6583,7 @@
         </p:nvSpPr>
         <p:spPr>
           <a:xfrm>
-            <a:off x="5843185" y="7388356"/>
+            <a:off x="6145731" y="9964232"/>
             <a:ext cx="3282256" cy="2809192"/>
           </a:xfrm>
           <a:prstGeom prst="roundRect">
@@ -6647,28 +6652,11 @@
             </a:pPr>
             <a:r>
               <a:rPr lang="en-NG" b="1" dirty="0"/>
-              <a:t>Data Storage</a:t>
-            </a:r>
-          </a:p>
-          <a:p>
-            <a:pPr marL="285750" indent="-285750">
-              <a:buFont typeface="Arial" panose="020B0604020202020204" pitchFamily="34" charset="0"/>
-              <a:buChar char="•"/>
-            </a:pPr>
-            <a:r>
-              <a:rPr lang="en-NG" b="1" dirty="0"/>
               <a:t>Augmented Reality</a:t>
             </a:r>
           </a:p>
           <a:p>
-            <a:pPr marL="285750" indent="-285750">
-              <a:buFont typeface="Arial" panose="020B0604020202020204" pitchFamily="34" charset="0"/>
-              <a:buChar char="•"/>
-            </a:pPr>
-            <a:r>
-              <a:rPr lang="en-NG" b="1" dirty="0"/>
-              <a:t>Camera and Sensors</a:t>
-            </a:r>
+            <a:endParaRPr lang="en-NG" b="1" dirty="0"/>
           </a:p>
         </p:txBody>
       </p:sp>
@@ -6686,7 +6674,7 @@
         </p:nvSpPr>
         <p:spPr>
           <a:xfrm>
-            <a:off x="6427506" y="7088552"/>
+            <a:off x="6730052" y="9664428"/>
             <a:ext cx="2113613" cy="599607"/>
           </a:xfrm>
           <a:prstGeom prst="rect">
@@ -6737,7 +6725,7 @@
         </p:nvSpPr>
         <p:spPr>
           <a:xfrm>
-            <a:off x="1052399" y="7388356"/>
+            <a:off x="84490" y="7042086"/>
             <a:ext cx="4206463" cy="3266392"/>
           </a:xfrm>
           <a:prstGeom prst="roundRect">
@@ -6835,7 +6823,7 @@
         </p:nvSpPr>
         <p:spPr>
           <a:xfrm>
-            <a:off x="2701209" y="7088551"/>
+            <a:off x="1733300" y="6742281"/>
             <a:ext cx="2113613" cy="599607"/>
           </a:xfrm>
           <a:prstGeom prst="rect">
@@ -6886,7 +6874,7 @@
         </p:nvSpPr>
         <p:spPr>
           <a:xfrm>
-            <a:off x="5843185" y="3717561"/>
+            <a:off x="6145731" y="2738261"/>
             <a:ext cx="3282256" cy="2128603"/>
           </a:xfrm>
           <a:prstGeom prst="roundRect">
@@ -6944,7 +6932,7 @@
         </p:nvSpPr>
         <p:spPr>
           <a:xfrm>
-            <a:off x="6427506" y="3583352"/>
+            <a:off x="6730052" y="2604052"/>
             <a:ext cx="2113613" cy="599607"/>
           </a:xfrm>
           <a:prstGeom prst="rect">
@@ -6986,6 +6974,141 @@
             <a:r>
               <a:rPr lang="en-NG" sz="2400" b="1" dirty="0"/>
               <a:t>Introduction</a:t>
+            </a:r>
+          </a:p>
+        </p:txBody>
+      </p:sp>
+      <p:sp>
+        <p:nvSpPr>
+          <p:cNvPr id="2" name="Rounded Rectangle 1">
+            <a:extLst>
+              <a:ext uri="{FF2B5EF4-FFF2-40B4-BE49-F238E27FC236}">
+                <a16:creationId xmlns:a16="http://schemas.microsoft.com/office/drawing/2014/main" id="{3C5E59E1-0A44-2DE7-FBD4-676D6F2F0245}"/>
+              </a:ext>
+            </a:extLst>
+          </p:cNvPr>
+          <p:cNvSpPr/>
+          <p:nvPr/>
+        </p:nvSpPr>
+        <p:spPr>
+          <a:xfrm>
+            <a:off x="4375443" y="5434023"/>
+            <a:ext cx="5225757" cy="4112544"/>
+          </a:xfrm>
+          <a:prstGeom prst="roundRect">
+            <a:avLst/>
+          </a:prstGeom>
+          <a:solidFill>
+            <a:srgbClr val="844E73"/>
+          </a:solidFill>
+        </p:spPr>
+        <p:style>
+          <a:lnRef idx="2">
+            <a:schemeClr val="accent1">
+              <a:shade val="50000"/>
+            </a:schemeClr>
+          </a:lnRef>
+          <a:fillRef idx="1">
+            <a:schemeClr val="accent1"/>
+          </a:fillRef>
+          <a:effectRef idx="0">
+            <a:schemeClr val="accent1"/>
+          </a:effectRef>
+          <a:fontRef idx="minor">
+            <a:schemeClr val="lt1"/>
+          </a:fontRef>
+        </p:style>
+        <p:txBody>
+          <a:bodyPr rtlCol="0" anchor="ctr"/>
+          <a:lstStyle/>
+          <a:p>
+            <a:pPr algn="ctr"/>
+            <a:endParaRPr lang="en-NG"/>
+          </a:p>
+        </p:txBody>
+      </p:sp>
+      <p:pic>
+        <p:nvPicPr>
+          <p:cNvPr id="4" name="Picture 3">
+            <a:extLst>
+              <a:ext uri="{FF2B5EF4-FFF2-40B4-BE49-F238E27FC236}">
+                <a16:creationId xmlns:a16="http://schemas.microsoft.com/office/drawing/2014/main" id="{21C0C097-3BD6-30F2-B4E8-2CEF1B1C8EA7}"/>
+              </a:ext>
+            </a:extLst>
+          </p:cNvPr>
+          <p:cNvPicPr>
+            <a:picLocks noChangeAspect="1"/>
+          </p:cNvPicPr>
+          <p:nvPr/>
+        </p:nvPicPr>
+        <p:blipFill>
+          <a:blip r:embed="rId4"/>
+          <a:stretch>
+            <a:fillRect/>
+          </a:stretch>
+        </p:blipFill>
+        <p:spPr>
+          <a:xfrm>
+            <a:off x="4500480" y="6424185"/>
+            <a:ext cx="4975681" cy="2435747"/>
+          </a:xfrm>
+          <a:prstGeom prst="rect">
+            <a:avLst/>
+          </a:prstGeom>
+        </p:spPr>
+      </p:pic>
+      <p:sp>
+        <p:nvSpPr>
+          <p:cNvPr id="7" name="Rounded Rectangle 6">
+            <a:extLst>
+              <a:ext uri="{FF2B5EF4-FFF2-40B4-BE49-F238E27FC236}">
+                <a16:creationId xmlns:a16="http://schemas.microsoft.com/office/drawing/2014/main" id="{693A2823-92AD-FF0C-A088-33EC5B3A7776}"/>
+              </a:ext>
+            </a:extLst>
+          </p:cNvPr>
+          <p:cNvSpPr/>
+          <p:nvPr/>
+        </p:nvSpPr>
+        <p:spPr>
+          <a:xfrm>
+            <a:off x="6988320" y="5082565"/>
+            <a:ext cx="2431249" cy="678155"/>
+          </a:xfrm>
+          <a:prstGeom prst="roundRect">
+            <a:avLst/>
+          </a:prstGeom>
+          <a:solidFill>
+            <a:srgbClr val="B2A7A6"/>
+          </a:solidFill>
+        </p:spPr>
+        <p:style>
+          <a:lnRef idx="2">
+            <a:schemeClr val="accent1">
+              <a:shade val="50000"/>
+            </a:schemeClr>
+          </a:lnRef>
+          <a:fillRef idx="1">
+            <a:schemeClr val="accent1"/>
+          </a:fillRef>
+          <a:effectRef idx="0">
+            <a:schemeClr val="accent1"/>
+          </a:effectRef>
+          <a:fontRef idx="minor">
+            <a:schemeClr val="lt1"/>
+          </a:fontRef>
+        </p:style>
+        <p:txBody>
+          <a:bodyPr rtlCol="0" anchor="ctr"/>
+          <a:lstStyle/>
+          <a:p>
+            <a:pPr algn="ctr"/>
+            <a:r>
+              <a:rPr lang="en-NG" sz="2400" b="1" dirty="0">
+                <a:solidFill>
+                  <a:schemeClr val="bg1"/>
+                </a:solidFill>
+              </a:rPr>
+              <a:t>Module communication</a:t>
             </a:r>
           </a:p>
         </p:txBody>
